--- a/USERDES-PPT-FINAL.pptx
+++ b/USERDES-PPT-FINAL.pptx
@@ -10855,13 +10855,81 @@
             <a:pPr marL="101600" indent="0" algn="just">
               <a:buNone/>
             </a:pPr>
-            <a:endParaRPr lang="en-US" sz="1600" b="1" dirty="0"/>
+            <a:endParaRPr lang="en-US" sz="1200" b="1" dirty="0"/>
           </a:p>
           <a:p>
             <a:pPr marL="101600" indent="0" algn="just">
               <a:buNone/>
             </a:pPr>
-            <a:endParaRPr lang="en-US" sz="1600" b="1" dirty="0"/>
+            <a:r>
+              <a:rPr lang="en-US" sz="1400" b="1" dirty="0"/>
+              <a:t>Teacher 5</a:t>
+            </a:r>
+          </a:p>
+          <a:p>
+            <a:pPr marL="101600" indent="0" algn="just">
+              <a:buNone/>
+            </a:pPr>
+            <a:r>
+              <a:rPr lang="en-US" sz="1200" dirty="0"/>
+              <a:t>“</a:t>
+            </a:r>
+            <a:r>
+              <a:rPr lang="en-US" sz="1200" dirty="0" err="1"/>
+              <a:t>Kapag</a:t>
+            </a:r>
+            <a:r>
+              <a:rPr lang="en-US" sz="1200" dirty="0"/>
+              <a:t> </a:t>
+            </a:r>
+            <a:r>
+              <a:rPr lang="en-US" sz="1200" dirty="0" err="1"/>
+              <a:t>sa</a:t>
+            </a:r>
+            <a:r>
+              <a:rPr lang="en-US" sz="1200" dirty="0"/>
+              <a:t> messages </a:t>
+            </a:r>
+            <a:r>
+              <a:rPr lang="en-US" sz="1200" dirty="0" err="1"/>
+              <a:t>sana</a:t>
+            </a:r>
+            <a:r>
+              <a:rPr lang="en-US" sz="1200" dirty="0"/>
+              <a:t> </a:t>
+            </a:r>
+            <a:r>
+              <a:rPr lang="en-US" sz="1200" dirty="0" err="1"/>
+              <a:t>kita</a:t>
+            </a:r>
+            <a:r>
+              <a:rPr lang="en-US" sz="1200" dirty="0"/>
+              <a:t>, </a:t>
+            </a:r>
+            <a:r>
+              <a:rPr lang="en-US" sz="1200" dirty="0" err="1"/>
+              <a:t>naka</a:t>
+            </a:r>
+            <a:r>
+              <a:rPr lang="en-US" sz="1200" dirty="0"/>
+              <a:t> thread view pa </a:t>
+            </a:r>
+            <a:r>
+              <a:rPr lang="en-US" sz="1200" dirty="0" err="1"/>
+              <a:t>rin</a:t>
+            </a:r>
+            <a:r>
+              <a:rPr lang="en-US" sz="1200" dirty="0"/>
+              <a:t> </a:t>
+            </a:r>
+            <a:r>
+              <a:rPr lang="en-US" sz="1200" dirty="0" err="1"/>
+              <a:t>siya</a:t>
+            </a:r>
+            <a:r>
+              <a:rPr lang="en-US" sz="1200" dirty="0"/>
+              <a:t>.”</a:t>
+            </a:r>
           </a:p>
           <a:p>
             <a:pPr marL="101600" indent="0" algn="just">
@@ -22587,7 +22655,7 @@
             </a:pPr>
             <a:r>
               <a:rPr lang="en-US" dirty="0"/>
-              <a:t>The students now a day doesn’t attend class just to play or go somewhere else. So we think that in order to solve this problem, we need to create something that will track the attendance of the students.</a:t>
+              <a:t>The students now a day doesn’t attend class just to play or go somewhere else. An application will help the parents and teachers to monitor their child/student’s attendance will help to solve this problem.</a:t>
             </a:r>
             <a:endParaRPr lang="en-PH" dirty="0"/>
           </a:p>
@@ -22632,7 +22700,7 @@
             <a:pPr lvl="0" algn="just"/>
             <a:r>
               <a:rPr lang="en-US" dirty="0"/>
-              <a:t>An application that can record the student’s attendance.</a:t>
+              <a:t> The teacher needs an that can record the student’s attendance.</a:t>
             </a:r>
             <a:endParaRPr lang="en-PH" dirty="0"/>
           </a:p>
@@ -22640,7 +22708,7 @@
             <a:pPr lvl="0" algn="just"/>
             <a:r>
               <a:rPr lang="en-PH" dirty="0"/>
-              <a:t>An application that will notify the parents of the students if their children are really go to school. </a:t>
+              <a:t>The parent needs an application that will notify them about the students if their children are really go to school. </a:t>
             </a:r>
           </a:p>
           <a:p>

--- a/USERDES-PPT-FINAL.pptx
+++ b/USERDES-PPT-FINAL.pptx
@@ -9320,8 +9320,15 @@
             </a:pPr>
             <a:r>
               <a:rPr lang="fr-FR" sz="1200" dirty="0"/>
-              <a:t>PARENT 3 https://www.youtube.com/watch?v=HQMSewctC3s&amp;feature=youtu.be</a:t>
-            </a:r>
+              <a:t>PARENT 3 </a:t>
+            </a:r>
+            <a:r>
+              <a:rPr lang="fr-FR" sz="1200" dirty="0">
+                <a:hlinkClick r:id="rId2"/>
+              </a:rPr>
+              <a:t>https://www.youtube.com/watch?v=HQMSewctC3s&amp;feature=youtu.be</a:t>
+            </a:r>
+            <a:endParaRPr lang="fr-FR" sz="1200" dirty="0"/>
           </a:p>
           <a:p>
             <a:pPr marL="101600" indent="0">
@@ -9351,30 +9358,14 @@
             </a:r>
             <a:endParaRPr lang="en-PH" sz="1200" dirty="0"/>
           </a:p>
-        </p:txBody>
-      </p:sp>
-      <p:sp>
-        <p:nvSpPr>
-          <p:cNvPr id="4" name="Text Placeholder 3">
-            <a:extLst>
-              <a:ext uri="{FF2B5EF4-FFF2-40B4-BE49-F238E27FC236}">
-                <a16:creationId xmlns:a16="http://schemas.microsoft.com/office/drawing/2014/main" id="{381B9FB6-D69D-488E-B3BE-C93A03CFF77F}"/>
-              </a:ext>
-            </a:extLst>
-          </p:cNvPr>
-          <p:cNvSpPr>
-            <a:spLocks noGrp="1"/>
-          </p:cNvSpPr>
-          <p:nvPr>
-            <p:ph type="body" idx="2"/>
-          </p:nvPr>
-        </p:nvSpPr>
-        <p:spPr/>
-        <p:txBody>
-          <a:bodyPr/>
-          <a:lstStyle/>
-          <a:p>
-            <a:endParaRPr lang="en-PH"/>
+          <a:p>
+            <a:endParaRPr lang="en-PH" sz="1200" dirty="0"/>
+          </a:p>
+          <a:p>
+            <a:pPr marL="101600" indent="0">
+              <a:buNone/>
+            </a:pPr>
+            <a:endParaRPr lang="fr-FR" sz="1200" dirty="0"/>
           </a:p>
         </p:txBody>
       </p:sp>
@@ -10183,15 +10174,7 @@
             </a:r>
             <a:r>
               <a:rPr lang="en-US" sz="1200" dirty="0"/>
-              <a:t> </a:t>
-            </a:r>
-            <a:r>
-              <a:rPr lang="en-US" sz="1200" dirty="0" err="1"/>
-              <a:t>parang</a:t>
-            </a:r>
-            <a:r>
-              <a:rPr lang="en-US" sz="1200" dirty="0"/>
-              <a:t> red </a:t>
+              <a:t> parang red </a:t>
             </a:r>
             <a:r>
               <a:rPr lang="en-US" sz="1200" dirty="0" err="1"/>
@@ -10199,11 +10182,11 @@
             </a:r>
             <a:r>
               <a:rPr lang="en-US" sz="1200" dirty="0"/>
-              <a:t> absent, </a:t>
+              <a:t> absent, para </a:t>
             </a:r>
             <a:r>
               <a:rPr lang="en-US" sz="1200" dirty="0" err="1"/>
-              <a:t>para</a:t>
+              <a:t>lang</a:t>
             </a:r>
             <a:r>
               <a:rPr lang="en-US" sz="1200" dirty="0"/>
@@ -10211,7 +10194,7 @@
             </a:r>
             <a:r>
               <a:rPr lang="en-US" sz="1200" dirty="0" err="1"/>
-              <a:t>lang</a:t>
+              <a:t>malaman</a:t>
             </a:r>
             <a:r>
               <a:rPr lang="en-US" sz="1200" dirty="0"/>
@@ -10219,7 +10202,15 @@
             </a:r>
             <a:r>
               <a:rPr lang="en-US" sz="1200" dirty="0" err="1"/>
-              <a:t>malaman</a:t>
+              <a:t>agad</a:t>
+            </a:r>
+            <a:r>
+              <a:rPr lang="en-US" sz="1200" dirty="0"/>
+              <a:t> kung </a:t>
+            </a:r>
+            <a:r>
+              <a:rPr lang="en-US" sz="1200" dirty="0" err="1"/>
+              <a:t>sino</a:t>
             </a:r>
             <a:r>
               <a:rPr lang="en-US" sz="1200" dirty="0"/>
@@ -10227,15 +10218,57 @@
             </a:r>
             <a:r>
               <a:rPr lang="en-US" sz="1200" dirty="0" err="1"/>
-              <a:t>agad</a:t>
+              <a:t>yung</a:t>
             </a:r>
             <a:r>
               <a:rPr lang="en-US" sz="1200" dirty="0"/>
-              <a:t> kung </a:t>
+              <a:t> absent.”</a:t>
+            </a:r>
+          </a:p>
+          <a:p>
+            <a:pPr marL="101600" indent="0" algn="just">
+              <a:buNone/>
+            </a:pPr>
+            <a:endParaRPr lang="en-US" sz="1200" dirty="0"/>
+          </a:p>
+          <a:p>
+            <a:pPr marL="101600" indent="0" algn="just">
+              <a:buNone/>
+            </a:pPr>
+            <a:endParaRPr lang="en-US" sz="1200" dirty="0"/>
+          </a:p>
+          <a:p>
+            <a:pPr marL="101600" indent="0" algn="just">
+              <a:buNone/>
+            </a:pPr>
+            <a:endParaRPr lang="en-US" sz="1200" dirty="0"/>
+          </a:p>
+          <a:p>
+            <a:pPr marL="101600" indent="0" algn="just">
+              <a:buNone/>
+            </a:pPr>
+            <a:endParaRPr lang="en-US" sz="1200" dirty="0"/>
+          </a:p>
+          <a:p>
+            <a:pPr marL="101600" indent="0" algn="just">
+              <a:buNone/>
+            </a:pPr>
+            <a:r>
+              <a:rPr lang="en-US" sz="1200" dirty="0"/>
+              <a:t>Teacher #5 : </a:t>
+            </a:r>
+          </a:p>
+          <a:p>
+            <a:pPr marL="101600" indent="0" algn="just">
+              <a:buNone/>
+            </a:pPr>
+            <a:r>
+              <a:rPr lang="en-US" sz="1200" dirty="0"/>
+              <a:t>“Para </a:t>
             </a:r>
             <a:r>
               <a:rPr lang="en-US" sz="1200" dirty="0" err="1"/>
-              <a:t>sino</a:t>
+              <a:t>sakin</a:t>
             </a:r>
             <a:r>
               <a:rPr lang="en-US" sz="1200" dirty="0"/>
@@ -10247,7 +10280,111 @@
             </a:r>
             <a:r>
               <a:rPr lang="en-US" sz="1200" dirty="0"/>
-              <a:t> absent.”</a:t>
+              <a:t> </a:t>
+            </a:r>
+            <a:r>
+              <a:rPr lang="en-US" sz="1200" dirty="0" err="1"/>
+              <a:t>kulang</a:t>
+            </a:r>
+            <a:r>
+              <a:rPr lang="en-US" sz="1200" dirty="0"/>
+              <a:t> </a:t>
+            </a:r>
+            <a:r>
+              <a:rPr lang="en-US" sz="1200" dirty="0" err="1"/>
+              <a:t>nalang</a:t>
+            </a:r>
+            <a:r>
+              <a:rPr lang="en-US" sz="1200" dirty="0"/>
+              <a:t> is </a:t>
+            </a:r>
+            <a:r>
+              <a:rPr lang="en-US" sz="1200" dirty="0" err="1"/>
+              <a:t>yung</a:t>
+            </a:r>
+            <a:r>
+              <a:rPr lang="en-US" sz="1200" dirty="0"/>
+              <a:t> </a:t>
+            </a:r>
+            <a:r>
+              <a:rPr lang="en-US" sz="1200" dirty="0" err="1"/>
+              <a:t>pagkakaiba-iba</a:t>
+            </a:r>
+            <a:r>
+              <a:rPr lang="en-US" sz="1200" dirty="0"/>
+              <a:t> ng </a:t>
+            </a:r>
+            <a:r>
+              <a:rPr lang="en-US" sz="1200" dirty="0" err="1"/>
+              <a:t>mga</a:t>
+            </a:r>
+            <a:r>
+              <a:rPr lang="en-US" sz="1200" dirty="0"/>
+              <a:t> </a:t>
+            </a:r>
+            <a:r>
+              <a:rPr lang="en-US" sz="1200" dirty="0" err="1"/>
+              <a:t>kulay</a:t>
+            </a:r>
+            <a:r>
+              <a:rPr lang="en-US" sz="1200" dirty="0"/>
+              <a:t> para </a:t>
+            </a:r>
+            <a:r>
+              <a:rPr lang="en-US" sz="1200" dirty="0" err="1"/>
+              <a:t>sa</a:t>
+            </a:r>
+            <a:r>
+              <a:rPr lang="en-US" sz="1200" dirty="0"/>
+              <a:t> present/absent/late. Para </a:t>
+            </a:r>
+            <a:r>
+              <a:rPr lang="en-US" sz="1200" dirty="0" err="1"/>
+              <a:t>lang</a:t>
+            </a:r>
+            <a:r>
+              <a:rPr lang="en-US" sz="1200" dirty="0"/>
+              <a:t> </a:t>
+            </a:r>
+            <a:r>
+              <a:rPr lang="en-US" sz="1200" dirty="0" err="1"/>
+              <a:t>hindi</a:t>
+            </a:r>
+            <a:r>
+              <a:rPr lang="en-US" sz="1200" dirty="0"/>
+              <a:t> </a:t>
+            </a:r>
+            <a:r>
+              <a:rPr lang="en-US" sz="1200" dirty="0" err="1"/>
+              <a:t>mahirap</a:t>
+            </a:r>
+            <a:r>
+              <a:rPr lang="en-US" sz="1200" dirty="0"/>
+              <a:t> </a:t>
+            </a:r>
+            <a:r>
+              <a:rPr lang="en-US" sz="1200" dirty="0" err="1"/>
+              <a:t>hanapin</a:t>
+            </a:r>
+            <a:r>
+              <a:rPr lang="en-US" sz="1200" dirty="0"/>
+              <a:t> </a:t>
+            </a:r>
+            <a:r>
+              <a:rPr lang="en-US" sz="1200" dirty="0" err="1"/>
+              <a:t>yung</a:t>
+            </a:r>
+            <a:r>
+              <a:rPr lang="en-US" sz="1200" dirty="0"/>
+              <a:t> </a:t>
+            </a:r>
+            <a:r>
+              <a:rPr lang="en-US" sz="1200" dirty="0" err="1"/>
+              <a:t>mga</a:t>
+            </a:r>
+            <a:r>
+              <a:rPr lang="en-US" sz="1200" dirty="0"/>
+              <a:t> absent. “</a:t>
             </a:r>
           </a:p>
         </p:txBody>

--- a/USERDES-PPT-FINAL.pptx
+++ b/USERDES-PPT-FINAL.pptx
@@ -5,7 +5,7 @@
     <p:sldMasterId id="2147483657" r:id="rId1"/>
   </p:sldMasterIdLst>
   <p:notesMasterIdLst>
-    <p:notesMasterId r:id="rId22"/>
+    <p:notesMasterId r:id="rId23"/>
   </p:notesMasterIdLst>
   <p:sldIdLst>
     <p:sldId id="256" r:id="rId2"/>
@@ -22,12 +22,13 @@
     <p:sldId id="287" r:id="rId13"/>
     <p:sldId id="285" r:id="rId14"/>
     <p:sldId id="293" r:id="rId15"/>
-    <p:sldId id="297" r:id="rId16"/>
-    <p:sldId id="296" r:id="rId17"/>
+    <p:sldId id="300" r:id="rId16"/>
+    <p:sldId id="297" r:id="rId17"/>
     <p:sldId id="294" r:id="rId18"/>
-    <p:sldId id="298" r:id="rId19"/>
-    <p:sldId id="295" r:id="rId20"/>
-    <p:sldId id="279" r:id="rId21"/>
+    <p:sldId id="299" r:id="rId19"/>
+    <p:sldId id="298" r:id="rId20"/>
+    <p:sldId id="295" r:id="rId21"/>
+    <p:sldId id="279" r:id="rId22"/>
   </p:sldIdLst>
   <p:sldSz cx="9144000" cy="5143500" type="screen16x9"/>
   <p:notesSz cx="6858000" cy="9144000"/>
@@ -9116,7 +9117,7 @@
             </a:r>
             <a:r>
               <a:rPr lang="en-US" dirty="0"/>
-              <a:t> Iteration Comments for Parent</a:t>
+              <a:t> Iteration of Parent : Summary</a:t>
             </a:r>
           </a:p>
         </p:txBody>
@@ -9141,41 +9142,55 @@
           <a:bodyPr numCol="1"/>
           <a:lstStyle/>
           <a:p>
-            <a:r>
-              <a:rPr lang="fr-FR" sz="1600" dirty="0"/>
-              <a:t>PARENT 1: https://www.youtube.com/watch?v=skR6X0a28Q4&amp;feature=youtu.be</a:t>
-            </a:r>
-          </a:p>
-          <a:p>
-            <a:r>
-              <a:rPr lang="fr-FR" sz="1600" dirty="0"/>
-              <a:t>PARENT 2: https://www.youtube.com/watch?v=KweeTv7tQug&amp;feature=youtu.be</a:t>
-            </a:r>
-          </a:p>
-          <a:p>
-            <a:r>
-              <a:rPr lang="fr-FR" sz="1600" dirty="0"/>
-              <a:t>PARENT 3:  https://www.youtube.com/watch?v=HQMSewctC3s&amp;feature=youtu.be</a:t>
-            </a:r>
-          </a:p>
-          <a:p>
-            <a:r>
-              <a:rPr lang="fr-FR" sz="1600" dirty="0"/>
-              <a:t>PARENT 4:  https://youtu.be/LORnD3Vyo54</a:t>
-            </a:r>
-          </a:p>
-          <a:p>
-            <a:r>
-              <a:rPr lang="fr-FR" sz="1600" dirty="0"/>
-              <a:t>PARENT 5:  https://youtu.be/IGYO_cmypS4</a:t>
-            </a:r>
-          </a:p>
-          <a:p>
-            <a:r>
-              <a:rPr lang="fr-FR" sz="1600" dirty="0"/>
-              <a:t>PARENT 6:  https://youtu.be/S_v1cxgwAag</a:t>
-            </a:r>
-            <a:endParaRPr lang="en-US" sz="1600" dirty="0"/>
+            <a:pPr algn="just"/>
+            <a:r>
+              <a:rPr lang="en-US" sz="1600" b="1" dirty="0"/>
+              <a:t>Include remarks know on what subject the child is absent. </a:t>
+            </a:r>
+          </a:p>
+          <a:p>
+            <a:pPr algn="just"/>
+            <a:r>
+              <a:rPr lang="en-US" sz="1600" b="1" dirty="0"/>
+              <a:t>Include summary of absence in a week or month. </a:t>
+            </a:r>
+          </a:p>
+          <a:p>
+            <a:pPr algn="just"/>
+            <a:r>
+              <a:rPr lang="en-US" sz="1600" b="1" dirty="0"/>
+              <a:t>Buttons should be on same sizes.</a:t>
+            </a:r>
+          </a:p>
+          <a:p>
+            <a:pPr algn="just"/>
+            <a:r>
+              <a:rPr lang="en-US" sz="1600" b="1" dirty="0"/>
+              <a:t>After sending a message, it should return to the student not on  the page wherein you will input the student code.</a:t>
+            </a:r>
+          </a:p>
+          <a:p>
+            <a:pPr algn="just"/>
+            <a:r>
+              <a:rPr lang="en-US" sz="1600" b="1" dirty="0"/>
+              <a:t>The parent should have a communication with the teacher.</a:t>
+            </a:r>
+          </a:p>
+          <a:p>
+            <a:pPr algn="just"/>
+            <a:endParaRPr lang="en-US" sz="1600" b="1" dirty="0"/>
+          </a:p>
+          <a:p>
+            <a:pPr algn="just"/>
+            <a:endParaRPr lang="en-US" sz="1600" b="1" dirty="0"/>
+          </a:p>
+          <a:p>
+            <a:pPr algn="just"/>
+            <a:endParaRPr lang="en-US" sz="1600" b="1" dirty="0"/>
+          </a:p>
+          <a:p>
+            <a:pPr algn="just"/>
+            <a:endParaRPr lang="en-US" sz="1600" b="1" dirty="0"/>
           </a:p>
         </p:txBody>
       </p:sp>
@@ -9214,7 +9229,7 @@
     </p:spTree>
     <p:extLst>
       <p:ext uri="{BB962C8B-B14F-4D97-AF65-F5344CB8AC3E}">
-        <p14:creationId xmlns:p14="http://schemas.microsoft.com/office/powerpoint/2010/main" val="3332324297"/>
+        <p14:creationId xmlns:p14="http://schemas.microsoft.com/office/powerpoint/2010/main" val="1523476632"/>
       </p:ext>
     </p:extLst>
   </p:cSld>
@@ -9243,13 +9258,7 @@
       </p:grpSpPr>
       <p:sp>
         <p:nvSpPr>
-          <p:cNvPr id="2" name="Title 1">
-            <a:extLst>
-              <a:ext uri="{FF2B5EF4-FFF2-40B4-BE49-F238E27FC236}">
-                <a16:creationId xmlns:a16="http://schemas.microsoft.com/office/drawing/2014/main" id="{172F95A8-86B0-4A3D-81BB-15455AE3C945}"/>
-              </a:ext>
-            </a:extLst>
-          </p:cNvPr>
+          <p:cNvPr id="2" name="Title 1"/>
           <p:cNvSpPr>
             <a:spLocks noGrp="1"/>
           </p:cNvSpPr>
@@ -9263,28 +9272,23 @@
           <a:lstStyle/>
           <a:p>
             <a:r>
-              <a:rPr lang="en-PH" dirty="0"/>
-              <a:t>LINKS FOR PARENT </a:t>
-            </a:r>
-            <a:br>
-              <a:rPr lang="en-PH" dirty="0"/>
-            </a:br>
-            <a:r>
-              <a:rPr lang="en-PH" dirty="0"/>
-              <a:t>ITERATION 1</a:t>
+              <a:rPr lang="en-US" dirty="0"/>
+              <a:t>1</a:t>
+            </a:r>
+            <a:r>
+              <a:rPr lang="en-US" baseline="30000" dirty="0"/>
+              <a:t>st</a:t>
+            </a:r>
+            <a:r>
+              <a:rPr lang="en-US" dirty="0"/>
+              <a:t> Iteration Comments for Parent</a:t>
             </a:r>
           </a:p>
         </p:txBody>
       </p:sp>
       <p:sp>
         <p:nvSpPr>
-          <p:cNvPr id="3" name="Text Placeholder 2">
-            <a:extLst>
-              <a:ext uri="{FF2B5EF4-FFF2-40B4-BE49-F238E27FC236}">
-                <a16:creationId xmlns:a16="http://schemas.microsoft.com/office/drawing/2014/main" id="{F2A4BD8E-5AAA-4613-8284-BD06B8DBFC87}"/>
-              </a:ext>
-            </a:extLst>
-          </p:cNvPr>
+          <p:cNvPr id="3" name="Text Placeholder 2"/>
           <p:cNvSpPr>
             <a:spLocks noGrp="1"/>
           </p:cNvSpPr>
@@ -9292,92 +9296,57 @@
             <p:ph type="body" idx="1"/>
           </p:nvPr>
         </p:nvSpPr>
-        <p:spPr/>
+        <p:spPr>
+          <a:xfrm>
+            <a:off x="120261" y="1278731"/>
+            <a:ext cx="8798553" cy="3757690"/>
+          </a:xfrm>
+        </p:spPr>
         <p:txBody>
-          <a:bodyPr/>
+          <a:bodyPr numCol="1"/>
           <a:lstStyle/>
           <a:p>
-            <a:pPr marL="101600" indent="0">
-              <a:buNone/>
-            </a:pPr>
-            <a:r>
-              <a:rPr lang="fr-FR" sz="1200" dirty="0"/>
-              <a:t>PARENT 1 https://www.youtube.com/watch?v=skR6X0a28Q4&amp;feature=youtu.be</a:t>
-            </a:r>
-          </a:p>
-          <a:p>
-            <a:pPr marL="101600" indent="0">
-              <a:buNone/>
-            </a:pPr>
-            <a:r>
-              <a:rPr lang="fr-FR" sz="1200" dirty="0"/>
-              <a:t>PARENT 2 https://www.youtube.com/watch?v=KweeTv7tQug&amp;feature=youtu.be</a:t>
-            </a:r>
-          </a:p>
-          <a:p>
-            <a:pPr marL="101600" indent="0">
-              <a:buNone/>
-            </a:pPr>
-            <a:r>
-              <a:rPr lang="fr-FR" sz="1200" dirty="0"/>
-              <a:t>PARENT 3 </a:t>
-            </a:r>
-            <a:r>
-              <a:rPr lang="fr-FR" sz="1200" dirty="0">
-                <a:hlinkClick r:id="rId2"/>
-              </a:rPr>
-              <a:t>https://www.youtube.com/watch?v=HQMSewctC3s&amp;feature=youtu.be</a:t>
-            </a:r>
-            <a:endParaRPr lang="fr-FR" sz="1200" dirty="0"/>
-          </a:p>
-          <a:p>
-            <a:pPr marL="101600" indent="0">
-              <a:buNone/>
-            </a:pPr>
-            <a:r>
-              <a:rPr lang="fr-FR" sz="1200" dirty="0"/>
-              <a:t>PARENT 4 https://youtu.be/LORnD3Vyo54</a:t>
-            </a:r>
-          </a:p>
-          <a:p>
-            <a:pPr marL="101600" indent="0">
-              <a:buNone/>
-            </a:pPr>
-            <a:r>
-              <a:rPr lang="fr-FR" sz="1200" dirty="0"/>
-              <a:t>PARENT 5 https://youtu.be/IGYO_cmypS4</a:t>
-            </a:r>
-          </a:p>
-          <a:p>
-            <a:pPr marL="101600" indent="0">
-              <a:buNone/>
-            </a:pPr>
-            <a:r>
-              <a:rPr lang="fr-FR" sz="1200" dirty="0"/>
-              <a:t>PARENT 6 https://youtu.be/S_v1cxgwAag</a:t>
-            </a:r>
-            <a:endParaRPr lang="en-PH" sz="1200" dirty="0"/>
-          </a:p>
-          <a:p>
-            <a:endParaRPr lang="en-PH" sz="1200" dirty="0"/>
-          </a:p>
-          <a:p>
-            <a:pPr marL="101600" indent="0">
-              <a:buNone/>
-            </a:pPr>
-            <a:endParaRPr lang="fr-FR" sz="1200" dirty="0"/>
+            <a:r>
+              <a:rPr lang="fr-FR" sz="1600" dirty="0"/>
+              <a:t>PARENT 1: https://www.youtube.com/watch?v=skR6X0a28Q4&amp;feature=youtu.be</a:t>
+            </a:r>
+          </a:p>
+          <a:p>
+            <a:r>
+              <a:rPr lang="fr-FR" sz="1600" dirty="0"/>
+              <a:t>PARENT 2: https://www.youtube.com/watch?v=KweeTv7tQug&amp;feature=youtu.be</a:t>
+            </a:r>
+          </a:p>
+          <a:p>
+            <a:r>
+              <a:rPr lang="fr-FR" sz="1600" dirty="0"/>
+              <a:t>PARENT 3:  https://www.youtube.com/watch?v=HQMSewctC3s&amp;feature=youtu.be</a:t>
+            </a:r>
+          </a:p>
+          <a:p>
+            <a:r>
+              <a:rPr lang="fr-FR" sz="1600" dirty="0"/>
+              <a:t>PARENT 4:  https://youtu.be/LORnD3Vyo54</a:t>
+            </a:r>
+          </a:p>
+          <a:p>
+            <a:r>
+              <a:rPr lang="fr-FR" sz="1600" dirty="0"/>
+              <a:t>PARENT 5:  https://youtu.be/IGYO_cmypS4</a:t>
+            </a:r>
+          </a:p>
+          <a:p>
+            <a:r>
+              <a:rPr lang="fr-FR" sz="1600" dirty="0"/>
+              <a:t>PARENT 6:  https://youtu.be/S_v1cxgwAag</a:t>
+            </a:r>
+            <a:endParaRPr lang="en-US" sz="1600" dirty="0"/>
           </a:p>
         </p:txBody>
       </p:sp>
       <p:sp>
         <p:nvSpPr>
-          <p:cNvPr id="5" name="Slide Number Placeholder 4">
-            <a:extLst>
-              <a:ext uri="{FF2B5EF4-FFF2-40B4-BE49-F238E27FC236}">
-                <a16:creationId xmlns:a16="http://schemas.microsoft.com/office/drawing/2014/main" id="{8E22C786-4F84-47AB-8286-369552EC8A93}"/>
-              </a:ext>
-            </a:extLst>
-          </p:cNvPr>
+          <p:cNvPr id="5" name="Slide Number Placeholder 4"/>
           <p:cNvSpPr>
             <a:spLocks noGrp="1"/>
           </p:cNvSpPr>
@@ -9400,17 +9369,17 @@
               <a:buNone/>
             </a:pPr>
             <a:fld id="{00000000-1234-1234-1234-123412341234}" type="slidenum">
-              <a:rPr lang="en" smtClean="0"/>
+              <a:rPr lang="uk-UA" smtClean="0"/>
               <a:t>16</a:t>
             </a:fld>
-            <a:endParaRPr lang="en"/>
+            <a:endParaRPr lang="uk-UA" dirty="0"/>
           </a:p>
         </p:txBody>
       </p:sp>
     </p:spTree>
     <p:extLst>
       <p:ext uri="{BB962C8B-B14F-4D97-AF65-F5344CB8AC3E}">
-        <p14:creationId xmlns:p14="http://schemas.microsoft.com/office/powerpoint/2010/main" val="117376494"/>
+        <p14:creationId xmlns:p14="http://schemas.microsoft.com/office/powerpoint/2010/main" val="3332324297"/>
       </p:ext>
     </p:extLst>
   </p:cSld>
@@ -10249,144 +10218,6 @@
             </a:pPr>
             <a:endParaRPr lang="en-US" sz="1200" dirty="0"/>
           </a:p>
-          <a:p>
-            <a:pPr marL="101600" indent="0" algn="just">
-              <a:buNone/>
-            </a:pPr>
-            <a:r>
-              <a:rPr lang="en-US" sz="1200" dirty="0"/>
-              <a:t>Teacher #5 : </a:t>
-            </a:r>
-          </a:p>
-          <a:p>
-            <a:pPr marL="101600" indent="0" algn="just">
-              <a:buNone/>
-            </a:pPr>
-            <a:r>
-              <a:rPr lang="en-US" sz="1200" dirty="0"/>
-              <a:t>“Para </a:t>
-            </a:r>
-            <a:r>
-              <a:rPr lang="en-US" sz="1200" dirty="0" err="1"/>
-              <a:t>sakin</a:t>
-            </a:r>
-            <a:r>
-              <a:rPr lang="en-US" sz="1200" dirty="0"/>
-              <a:t> </a:t>
-            </a:r>
-            <a:r>
-              <a:rPr lang="en-US" sz="1200" dirty="0" err="1"/>
-              <a:t>yung</a:t>
-            </a:r>
-            <a:r>
-              <a:rPr lang="en-US" sz="1200" dirty="0"/>
-              <a:t> </a:t>
-            </a:r>
-            <a:r>
-              <a:rPr lang="en-US" sz="1200" dirty="0" err="1"/>
-              <a:t>kulang</a:t>
-            </a:r>
-            <a:r>
-              <a:rPr lang="en-US" sz="1200" dirty="0"/>
-              <a:t> </a:t>
-            </a:r>
-            <a:r>
-              <a:rPr lang="en-US" sz="1200" dirty="0" err="1"/>
-              <a:t>nalang</a:t>
-            </a:r>
-            <a:r>
-              <a:rPr lang="en-US" sz="1200" dirty="0"/>
-              <a:t> is </a:t>
-            </a:r>
-            <a:r>
-              <a:rPr lang="en-US" sz="1200" dirty="0" err="1"/>
-              <a:t>yung</a:t>
-            </a:r>
-            <a:r>
-              <a:rPr lang="en-US" sz="1200" dirty="0"/>
-              <a:t> </a:t>
-            </a:r>
-            <a:r>
-              <a:rPr lang="en-US" sz="1200" dirty="0" err="1"/>
-              <a:t>pagkakaiba-iba</a:t>
-            </a:r>
-            <a:r>
-              <a:rPr lang="en-US" sz="1200" dirty="0"/>
-              <a:t> ng </a:t>
-            </a:r>
-            <a:r>
-              <a:rPr lang="en-US" sz="1200" dirty="0" err="1"/>
-              <a:t>mga</a:t>
-            </a:r>
-            <a:r>
-              <a:rPr lang="en-US" sz="1200" dirty="0"/>
-              <a:t> </a:t>
-            </a:r>
-            <a:r>
-              <a:rPr lang="en-US" sz="1200" dirty="0" err="1"/>
-              <a:t>kulay</a:t>
-            </a:r>
-            <a:r>
-              <a:rPr lang="en-US" sz="1200" dirty="0"/>
-              <a:t> para </a:t>
-            </a:r>
-            <a:r>
-              <a:rPr lang="en-US" sz="1200" dirty="0" err="1"/>
-              <a:t>sa</a:t>
-            </a:r>
-            <a:r>
-              <a:rPr lang="en-US" sz="1200" dirty="0"/>
-              <a:t> present/absent/late. Para </a:t>
-            </a:r>
-            <a:r>
-              <a:rPr lang="en-US" sz="1200" dirty="0" err="1"/>
-              <a:t>lang</a:t>
-            </a:r>
-            <a:r>
-              <a:rPr lang="en-US" sz="1200" dirty="0"/>
-              <a:t> </a:t>
-            </a:r>
-            <a:r>
-              <a:rPr lang="en-US" sz="1200" dirty="0" err="1"/>
-              <a:t>hindi</a:t>
-            </a:r>
-            <a:r>
-              <a:rPr lang="en-US" sz="1200" dirty="0"/>
-              <a:t> </a:t>
-            </a:r>
-            <a:r>
-              <a:rPr lang="en-US" sz="1200" dirty="0" err="1"/>
-              <a:t>mahirap</a:t>
-            </a:r>
-            <a:r>
-              <a:rPr lang="en-US" sz="1200" dirty="0"/>
-              <a:t> </a:t>
-            </a:r>
-            <a:r>
-              <a:rPr lang="en-US" sz="1200" dirty="0" err="1"/>
-              <a:t>hanapin</a:t>
-            </a:r>
-            <a:r>
-              <a:rPr lang="en-US" sz="1200" dirty="0"/>
-              <a:t> </a:t>
-            </a:r>
-            <a:r>
-              <a:rPr lang="en-US" sz="1200" dirty="0" err="1"/>
-              <a:t>yung</a:t>
-            </a:r>
-            <a:r>
-              <a:rPr lang="en-US" sz="1200" dirty="0"/>
-              <a:t> </a:t>
-            </a:r>
-            <a:r>
-              <a:rPr lang="en-US" sz="1200" dirty="0" err="1"/>
-              <a:t>mga</a:t>
-            </a:r>
-            <a:r>
-              <a:rPr lang="en-US" sz="1200" dirty="0"/>
-              <a:t> absent. “</a:t>
-            </a:r>
-          </a:p>
         </p:txBody>
       </p:sp>
       <p:sp>
@@ -10435,6 +10266,148 @@
 </file>
 
 <file path=ppt/slides/slide18.xml><?xml version="1.0" encoding="utf-8"?>
+<p:sld xmlns:a="http://schemas.openxmlformats.org/drawingml/2006/main" xmlns:r="http://schemas.openxmlformats.org/officeDocument/2006/relationships" xmlns:p="http://schemas.openxmlformats.org/presentationml/2006/main">
+  <p:cSld>
+    <p:spTree>
+      <p:nvGrpSpPr>
+        <p:cNvPr id="1" name=""/>
+        <p:cNvGrpSpPr/>
+        <p:nvPr/>
+      </p:nvGrpSpPr>
+      <p:grpSpPr>
+        <a:xfrm>
+          <a:off x="0" y="0"/>
+          <a:ext cx="0" cy="0"/>
+          <a:chOff x="0" y="0"/>
+          <a:chExt cx="0" cy="0"/>
+        </a:xfrm>
+      </p:grpSpPr>
+      <p:sp>
+        <p:nvSpPr>
+          <p:cNvPr id="2" name="Title 1"/>
+          <p:cNvSpPr>
+            <a:spLocks noGrp="1"/>
+          </p:cNvSpPr>
+          <p:nvPr>
+            <p:ph type="title"/>
+          </p:nvPr>
+        </p:nvSpPr>
+        <p:spPr/>
+        <p:txBody>
+          <a:bodyPr/>
+          <a:lstStyle/>
+          <a:p>
+            <a:r>
+              <a:rPr lang="en-US" dirty="0"/>
+              <a:t>1</a:t>
+            </a:r>
+            <a:r>
+              <a:rPr lang="en-US" baseline="30000" dirty="0"/>
+              <a:t>st</a:t>
+            </a:r>
+            <a:r>
+              <a:rPr lang="en-US" dirty="0"/>
+              <a:t> Iteration Summary </a:t>
+            </a:r>
+          </a:p>
+        </p:txBody>
+      </p:sp>
+      <p:sp>
+        <p:nvSpPr>
+          <p:cNvPr id="3" name="Text Placeholder 2"/>
+          <p:cNvSpPr>
+            <a:spLocks noGrp="1"/>
+          </p:cNvSpPr>
+          <p:nvPr>
+            <p:ph type="body" idx="1"/>
+          </p:nvPr>
+        </p:nvSpPr>
+        <p:spPr>
+          <a:xfrm>
+            <a:off x="120261" y="1434601"/>
+            <a:ext cx="8798553" cy="3601820"/>
+          </a:xfrm>
+        </p:spPr>
+        <p:txBody>
+          <a:bodyPr numCol="1"/>
+          <a:lstStyle/>
+          <a:p>
+            <a:pPr algn="just"/>
+            <a:r>
+              <a:rPr lang="en-US" sz="1800" dirty="0"/>
+              <a:t>Welcome page for the user with his/her username</a:t>
+            </a:r>
+          </a:p>
+          <a:p>
+            <a:pPr algn="just"/>
+            <a:r>
+              <a:rPr lang="en-US" sz="1800" dirty="0"/>
+              <a:t>When reviewing attendance, include inputting date for precise reviewing.</a:t>
+            </a:r>
+          </a:p>
+          <a:p>
+            <a:pPr algn="just"/>
+            <a:r>
+              <a:rPr lang="en-US" sz="1800" dirty="0"/>
+              <a:t>Present, late and absent should be in different colors.</a:t>
+            </a:r>
+          </a:p>
+          <a:p>
+            <a:pPr algn="just"/>
+            <a:endParaRPr lang="en-US" sz="1800" dirty="0"/>
+          </a:p>
+          <a:p>
+            <a:pPr algn="just"/>
+            <a:endParaRPr lang="en-US" sz="1800" dirty="0"/>
+          </a:p>
+        </p:txBody>
+      </p:sp>
+      <p:sp>
+        <p:nvSpPr>
+          <p:cNvPr id="5" name="Slide Number Placeholder 4"/>
+          <p:cNvSpPr>
+            <a:spLocks noGrp="1"/>
+          </p:cNvSpPr>
+          <p:nvPr>
+            <p:ph type="sldNum" idx="12"/>
+          </p:nvPr>
+        </p:nvSpPr>
+        <p:spPr/>
+        <p:txBody>
+          <a:bodyPr/>
+          <a:lstStyle/>
+          <a:p>
+            <a:pPr marL="0" lvl="0" indent="0" algn="r" rtl="0">
+              <a:spcBef>
+                <a:spcPts val="0"/>
+              </a:spcBef>
+              <a:spcAft>
+                <a:spcPts val="0"/>
+              </a:spcAft>
+              <a:buNone/>
+            </a:pPr>
+            <a:fld id="{00000000-1234-1234-1234-123412341234}" type="slidenum">
+              <a:rPr lang="uk-UA" smtClean="0"/>
+              <a:t>18</a:t>
+            </a:fld>
+            <a:endParaRPr lang="uk-UA"/>
+          </a:p>
+        </p:txBody>
+      </p:sp>
+    </p:spTree>
+    <p:extLst>
+      <p:ext uri="{BB962C8B-B14F-4D97-AF65-F5344CB8AC3E}">
+        <p14:creationId xmlns:p14="http://schemas.microsoft.com/office/powerpoint/2010/main" val="3107202483"/>
+      </p:ext>
+    </p:extLst>
+  </p:cSld>
+  <p:clrMapOvr>
+    <a:masterClrMapping/>
+  </p:clrMapOvr>
+</p:sld>
+</file>
+
+<file path=ppt/slides/slide19.xml><?xml version="1.0" encoding="utf-8"?>
 <p:sld xmlns:a="http://schemas.openxmlformats.org/drawingml/2006/main" xmlns:r="http://schemas.openxmlformats.org/officeDocument/2006/relationships" xmlns:p="http://schemas.openxmlformats.org/presentationml/2006/main">
   <p:cSld>
     <p:spTree>
@@ -10618,7 +10591,7 @@
             </a:pPr>
             <a:fld id="{00000000-1234-1234-1234-123412341234}" type="slidenum">
               <a:rPr lang="en" smtClean="0"/>
-              <a:t>18</a:t>
+              <a:t>19</a:t>
             </a:fld>
             <a:endParaRPr lang="en"/>
           </a:p>
@@ -10628,508 +10601,6 @@
     <p:extLst>
       <p:ext uri="{BB962C8B-B14F-4D97-AF65-F5344CB8AC3E}">
         <p14:creationId xmlns:p14="http://schemas.microsoft.com/office/powerpoint/2010/main" val="667545432"/>
-      </p:ext>
-    </p:extLst>
-  </p:cSld>
-  <p:clrMapOvr>
-    <a:masterClrMapping/>
-  </p:clrMapOvr>
-</p:sld>
-</file>
-
-<file path=ppt/slides/slide19.xml><?xml version="1.0" encoding="utf-8"?>
-<p:sld xmlns:a="http://schemas.openxmlformats.org/drawingml/2006/main" xmlns:r="http://schemas.openxmlformats.org/officeDocument/2006/relationships" xmlns:p="http://schemas.openxmlformats.org/presentationml/2006/main">
-  <p:cSld>
-    <p:spTree>
-      <p:nvGrpSpPr>
-        <p:cNvPr id="1" name=""/>
-        <p:cNvGrpSpPr/>
-        <p:nvPr/>
-      </p:nvGrpSpPr>
-      <p:grpSpPr>
-        <a:xfrm>
-          <a:off x="0" y="0"/>
-          <a:ext cx="0" cy="0"/>
-          <a:chOff x="0" y="0"/>
-          <a:chExt cx="0" cy="0"/>
-        </a:xfrm>
-      </p:grpSpPr>
-      <p:sp>
-        <p:nvSpPr>
-          <p:cNvPr id="2" name="Title 1"/>
-          <p:cNvSpPr>
-            <a:spLocks noGrp="1"/>
-          </p:cNvSpPr>
-          <p:nvPr>
-            <p:ph type="title"/>
-          </p:nvPr>
-        </p:nvSpPr>
-        <p:spPr/>
-        <p:txBody>
-          <a:bodyPr/>
-          <a:lstStyle/>
-          <a:p>
-            <a:r>
-              <a:rPr lang="en-US" dirty="0"/>
-              <a:t>2nd Iteration Comment</a:t>
-            </a:r>
-          </a:p>
-        </p:txBody>
-      </p:sp>
-      <p:sp>
-        <p:nvSpPr>
-          <p:cNvPr id="3" name="Text Placeholder 2"/>
-          <p:cNvSpPr>
-            <a:spLocks noGrp="1"/>
-          </p:cNvSpPr>
-          <p:nvPr>
-            <p:ph type="body" idx="1"/>
-          </p:nvPr>
-        </p:nvSpPr>
-        <p:spPr>
-          <a:xfrm>
-            <a:off x="120261" y="1434601"/>
-            <a:ext cx="8798553" cy="3601820"/>
-          </a:xfrm>
-        </p:spPr>
-        <p:txBody>
-          <a:bodyPr numCol="5"/>
-          <a:lstStyle/>
-          <a:p>
-            <a:pPr marL="101600" indent="0">
-              <a:buNone/>
-            </a:pPr>
-            <a:r>
-              <a:rPr lang="en-US" sz="1400" b="1" dirty="0"/>
-              <a:t>Parent 6:</a:t>
-            </a:r>
-          </a:p>
-          <a:p>
-            <a:pPr marL="101600" indent="0" algn="just">
-              <a:buNone/>
-            </a:pPr>
-            <a:r>
-              <a:rPr lang="en-US" sz="1400" dirty="0"/>
-              <a:t>“</a:t>
-            </a:r>
-            <a:r>
-              <a:rPr lang="en-US" sz="1400" dirty="0" err="1"/>
-              <a:t>Maganda</a:t>
-            </a:r>
-            <a:r>
-              <a:rPr lang="en-US" sz="1400" dirty="0"/>
-              <a:t> </a:t>
-            </a:r>
-            <a:r>
-              <a:rPr lang="en-US" sz="1400" dirty="0" err="1"/>
-              <a:t>naman</a:t>
-            </a:r>
-            <a:r>
-              <a:rPr lang="en-US" sz="1400" dirty="0"/>
-              <a:t> </a:t>
-            </a:r>
-            <a:r>
-              <a:rPr lang="en-US" sz="1400" dirty="0" err="1"/>
-              <a:t>yung</a:t>
-            </a:r>
-            <a:r>
-              <a:rPr lang="en-US" sz="1400" dirty="0"/>
-              <a:t> application </a:t>
-            </a:r>
-            <a:r>
-              <a:rPr lang="en-US" sz="1400" dirty="0" err="1"/>
-              <a:t>kasi</a:t>
-            </a:r>
-            <a:r>
-              <a:rPr lang="en-US" sz="1400" dirty="0"/>
-              <a:t> </a:t>
-            </a:r>
-            <a:r>
-              <a:rPr lang="en-US" sz="1400" dirty="0" err="1"/>
-              <a:t>makakatulong</a:t>
-            </a:r>
-            <a:r>
-              <a:rPr lang="en-US" sz="1400" dirty="0"/>
-              <a:t> </a:t>
-            </a:r>
-            <a:r>
-              <a:rPr lang="en-US" sz="1400" dirty="0" err="1"/>
-              <a:t>yun</a:t>
-            </a:r>
-            <a:r>
-              <a:rPr lang="en-US" sz="1400" dirty="0"/>
-              <a:t> </a:t>
-            </a:r>
-            <a:r>
-              <a:rPr lang="en-US" sz="1400" dirty="0" err="1"/>
-              <a:t>sa</a:t>
-            </a:r>
-            <a:r>
-              <a:rPr lang="en-US" sz="1400" dirty="0"/>
-              <a:t> </a:t>
-            </a:r>
-            <a:r>
-              <a:rPr lang="en-US" sz="1400" dirty="0" err="1"/>
-              <a:t>aming</a:t>
-            </a:r>
-            <a:r>
-              <a:rPr lang="en-US" sz="1400" dirty="0"/>
-              <a:t> </a:t>
-            </a:r>
-            <a:r>
-              <a:rPr lang="en-US" sz="1400" dirty="0" err="1"/>
-              <a:t>mga</a:t>
-            </a:r>
-            <a:r>
-              <a:rPr lang="en-US" sz="1400" dirty="0"/>
-              <a:t> parents </a:t>
-            </a:r>
-            <a:r>
-              <a:rPr lang="en-US" sz="1400" dirty="0" err="1"/>
-              <a:t>para</a:t>
-            </a:r>
-            <a:r>
-              <a:rPr lang="en-US" sz="1400" dirty="0"/>
-              <a:t> ma monitor </a:t>
-            </a:r>
-            <a:r>
-              <a:rPr lang="en-US" sz="1400" dirty="0" err="1"/>
-              <a:t>namin</a:t>
-            </a:r>
-            <a:r>
-              <a:rPr lang="en-US" sz="1400" dirty="0"/>
-              <a:t> kung </a:t>
-            </a:r>
-            <a:r>
-              <a:rPr lang="en-US" sz="1400" dirty="0" err="1"/>
-              <a:t>nakapasok</a:t>
-            </a:r>
-            <a:r>
-              <a:rPr lang="en-US" sz="1400" dirty="0"/>
-              <a:t> </a:t>
-            </a:r>
-            <a:r>
-              <a:rPr lang="en-US" sz="1400" dirty="0" err="1"/>
-              <a:t>ba</a:t>
-            </a:r>
-            <a:r>
-              <a:rPr lang="en-US" sz="1400" dirty="0"/>
-              <a:t> o </a:t>
-            </a:r>
-            <a:r>
-              <a:rPr lang="en-US" sz="1400" dirty="0" err="1"/>
-              <a:t>pumasok</a:t>
-            </a:r>
-            <a:r>
-              <a:rPr lang="en-US" sz="1400" dirty="0"/>
-              <a:t> </a:t>
-            </a:r>
-            <a:r>
-              <a:rPr lang="en-US" sz="1400" dirty="0" err="1"/>
-              <a:t>ba</a:t>
-            </a:r>
-            <a:r>
-              <a:rPr lang="en-US" sz="1400" dirty="0"/>
-              <a:t> at </a:t>
-            </a:r>
-            <a:r>
-              <a:rPr lang="en-US" sz="1400" dirty="0" err="1"/>
-              <a:t>anong</a:t>
-            </a:r>
-            <a:r>
-              <a:rPr lang="en-US" sz="1400" dirty="0"/>
-              <a:t> </a:t>
-            </a:r>
-            <a:r>
-              <a:rPr lang="en-US" sz="1400" dirty="0" err="1"/>
-              <a:t>oras</a:t>
-            </a:r>
-            <a:r>
-              <a:rPr lang="en-US" sz="1400" dirty="0"/>
-              <a:t> </a:t>
-            </a:r>
-            <a:r>
-              <a:rPr lang="en-US" sz="1400" dirty="0" err="1"/>
-              <a:t>pumasok</a:t>
-            </a:r>
-            <a:r>
-              <a:rPr lang="en-US" sz="1400" dirty="0"/>
-              <a:t> </a:t>
-            </a:r>
-            <a:r>
-              <a:rPr lang="en-US" sz="1400" dirty="0" err="1"/>
-              <a:t>ang</a:t>
-            </a:r>
-            <a:r>
-              <a:rPr lang="en-US" sz="1400" dirty="0"/>
-              <a:t> </a:t>
-            </a:r>
-            <a:r>
-              <a:rPr lang="en-US" sz="1400" dirty="0" err="1"/>
-              <a:t>mga</a:t>
-            </a:r>
-            <a:r>
-              <a:rPr lang="en-US" sz="1400" dirty="0"/>
-              <a:t> </a:t>
-            </a:r>
-            <a:r>
-              <a:rPr lang="en-US" sz="1400" dirty="0" err="1"/>
-              <a:t>anak</a:t>
-            </a:r>
-            <a:r>
-              <a:rPr lang="en-US" sz="1400" dirty="0"/>
-              <a:t> </a:t>
-            </a:r>
-            <a:r>
-              <a:rPr lang="en-US" sz="1400" dirty="0" err="1"/>
-              <a:t>namin</a:t>
-            </a:r>
-            <a:r>
-              <a:rPr lang="en-US" sz="1400" dirty="0"/>
-              <a:t>. Suggest </a:t>
-            </a:r>
-            <a:r>
-              <a:rPr lang="en-US" sz="1400" dirty="0" err="1"/>
-              <a:t>ko</a:t>
-            </a:r>
-            <a:r>
-              <a:rPr lang="en-US" sz="1400" dirty="0"/>
-              <a:t> </a:t>
-            </a:r>
-            <a:r>
-              <a:rPr lang="en-US" sz="1400" dirty="0" err="1"/>
-              <a:t>lang</a:t>
-            </a:r>
-            <a:r>
-              <a:rPr lang="en-US" sz="1400" dirty="0"/>
-              <a:t> </a:t>
-            </a:r>
-            <a:r>
-              <a:rPr lang="en-US" sz="1400" dirty="0" err="1"/>
-              <a:t>na</a:t>
-            </a:r>
-            <a:r>
-              <a:rPr lang="en-US" sz="1400" dirty="0"/>
-              <a:t> </a:t>
-            </a:r>
-            <a:r>
-              <a:rPr lang="en-US" sz="1400" dirty="0" err="1"/>
-              <a:t>lagyan</a:t>
-            </a:r>
-            <a:r>
-              <a:rPr lang="en-US" sz="1400" dirty="0"/>
-              <a:t> </a:t>
-            </a:r>
-            <a:r>
-              <a:rPr lang="en-US" sz="1400" dirty="0" err="1"/>
-              <a:t>ng</a:t>
-            </a:r>
-            <a:r>
-              <a:rPr lang="en-US" sz="1400" dirty="0"/>
-              <a:t> section.”</a:t>
-            </a:r>
-            <a:endParaRPr lang="en-US" sz="1400" b="1" dirty="0"/>
-          </a:p>
-          <a:p>
-            <a:pPr marL="101600" indent="0" algn="just">
-              <a:buNone/>
-            </a:pPr>
-            <a:endParaRPr lang="en-US" sz="1600" b="1" dirty="0"/>
-          </a:p>
-          <a:p>
-            <a:pPr marL="101600" indent="0" algn="just">
-              <a:buNone/>
-            </a:pPr>
-            <a:r>
-              <a:rPr lang="fr-FR" sz="1100" dirty="0"/>
-              <a:t>LINK FOR PARENT 6:  https://youtu.be/S_v1cxgwAag</a:t>
-            </a:r>
-            <a:endParaRPr lang="en-US" sz="1100" dirty="0"/>
-          </a:p>
-          <a:p>
-            <a:pPr marL="101600" indent="0" algn="just">
-              <a:buNone/>
-            </a:pPr>
-            <a:endParaRPr lang="en-US" sz="1600" b="1" dirty="0"/>
-          </a:p>
-          <a:p>
-            <a:pPr marL="101600" indent="0" algn="just">
-              <a:buNone/>
-            </a:pPr>
-            <a:endParaRPr lang="en-US" sz="1600" b="1" dirty="0"/>
-          </a:p>
-          <a:p>
-            <a:pPr marL="101600" indent="0" algn="just">
-              <a:buNone/>
-            </a:pPr>
-            <a:endParaRPr lang="en-US" sz="1600" b="1" dirty="0"/>
-          </a:p>
-          <a:p>
-            <a:pPr marL="101600" indent="0" algn="just">
-              <a:buNone/>
-            </a:pPr>
-            <a:endParaRPr lang="en-US" sz="1600" b="1" dirty="0"/>
-          </a:p>
-          <a:p>
-            <a:pPr marL="101600" indent="0" algn="just">
-              <a:buNone/>
-            </a:pPr>
-            <a:endParaRPr lang="en-US" sz="1600" b="1" dirty="0"/>
-          </a:p>
-          <a:p>
-            <a:pPr marL="101600" indent="0" algn="just">
-              <a:buNone/>
-            </a:pPr>
-            <a:endParaRPr lang="en-US" sz="1600" b="1" dirty="0"/>
-          </a:p>
-          <a:p>
-            <a:pPr marL="101600" indent="0" algn="just">
-              <a:buNone/>
-            </a:pPr>
-            <a:endParaRPr lang="en-US" sz="1600" b="1" dirty="0"/>
-          </a:p>
-          <a:p>
-            <a:pPr marL="101600" indent="0" algn="just">
-              <a:buNone/>
-            </a:pPr>
-            <a:endParaRPr lang="en-US" sz="1200" b="1" dirty="0"/>
-          </a:p>
-          <a:p>
-            <a:pPr marL="101600" indent="0" algn="just">
-              <a:buNone/>
-            </a:pPr>
-            <a:r>
-              <a:rPr lang="en-US" sz="1400" b="1" dirty="0"/>
-              <a:t>Teacher 5</a:t>
-            </a:r>
-          </a:p>
-          <a:p>
-            <a:pPr marL="101600" indent="0" algn="just">
-              <a:buNone/>
-            </a:pPr>
-            <a:r>
-              <a:rPr lang="en-US" sz="1200" dirty="0"/>
-              <a:t>“</a:t>
-            </a:r>
-            <a:r>
-              <a:rPr lang="en-US" sz="1200" dirty="0" err="1"/>
-              <a:t>Kapag</a:t>
-            </a:r>
-            <a:r>
-              <a:rPr lang="en-US" sz="1200" dirty="0"/>
-              <a:t> </a:t>
-            </a:r>
-            <a:r>
-              <a:rPr lang="en-US" sz="1200" dirty="0" err="1"/>
-              <a:t>sa</a:t>
-            </a:r>
-            <a:r>
-              <a:rPr lang="en-US" sz="1200" dirty="0"/>
-              <a:t> messages </a:t>
-            </a:r>
-            <a:r>
-              <a:rPr lang="en-US" sz="1200" dirty="0" err="1"/>
-              <a:t>sana</a:t>
-            </a:r>
-            <a:r>
-              <a:rPr lang="en-US" sz="1200" dirty="0"/>
-              <a:t> </a:t>
-            </a:r>
-            <a:r>
-              <a:rPr lang="en-US" sz="1200" dirty="0" err="1"/>
-              <a:t>kita</a:t>
-            </a:r>
-            <a:r>
-              <a:rPr lang="en-US" sz="1200" dirty="0"/>
-              <a:t>, </a:t>
-            </a:r>
-            <a:r>
-              <a:rPr lang="en-US" sz="1200" dirty="0" err="1"/>
-              <a:t>naka</a:t>
-            </a:r>
-            <a:r>
-              <a:rPr lang="en-US" sz="1200" dirty="0"/>
-              <a:t> thread view pa </a:t>
-            </a:r>
-            <a:r>
-              <a:rPr lang="en-US" sz="1200" dirty="0" err="1"/>
-              <a:t>rin</a:t>
-            </a:r>
-            <a:r>
-              <a:rPr lang="en-US" sz="1200" dirty="0"/>
-              <a:t> </a:t>
-            </a:r>
-            <a:r>
-              <a:rPr lang="en-US" sz="1200" dirty="0" err="1"/>
-              <a:t>siya</a:t>
-            </a:r>
-            <a:r>
-              <a:rPr lang="en-US" sz="1200" dirty="0"/>
-              <a:t>.”</a:t>
-            </a:r>
-          </a:p>
-          <a:p>
-            <a:pPr marL="101600" indent="0" algn="just">
-              <a:buNone/>
-            </a:pPr>
-            <a:endParaRPr lang="en-US" sz="1600" b="1" dirty="0"/>
-          </a:p>
-          <a:p>
-            <a:pPr marL="101600" indent="0" algn="just">
-              <a:buNone/>
-            </a:pPr>
-            <a:endParaRPr lang="en-US" sz="1600" b="1" dirty="0"/>
-          </a:p>
-          <a:p>
-            <a:pPr marL="101600" indent="0" algn="just">
-              <a:buNone/>
-            </a:pPr>
-            <a:endParaRPr lang="en-US" sz="1600" b="1" dirty="0"/>
-          </a:p>
-          <a:p>
-            <a:pPr marL="101600" indent="0" algn="just">
-              <a:buNone/>
-            </a:pPr>
-            <a:endParaRPr lang="en-US" sz="1600" b="1" dirty="0"/>
-          </a:p>
-        </p:txBody>
-      </p:sp>
-      <p:sp>
-        <p:nvSpPr>
-          <p:cNvPr id="5" name="Slide Number Placeholder 4"/>
-          <p:cNvSpPr>
-            <a:spLocks noGrp="1"/>
-          </p:cNvSpPr>
-          <p:nvPr>
-            <p:ph type="sldNum" idx="12"/>
-          </p:nvPr>
-        </p:nvSpPr>
-        <p:spPr/>
-        <p:txBody>
-          <a:bodyPr/>
-          <a:lstStyle/>
-          <a:p>
-            <a:pPr marL="0" lvl="0" indent="0" algn="r" rtl="0">
-              <a:spcBef>
-                <a:spcPts val="0"/>
-              </a:spcBef>
-              <a:spcAft>
-                <a:spcPts val="0"/>
-              </a:spcAft>
-              <a:buNone/>
-            </a:pPr>
-            <a:fld id="{00000000-1234-1234-1234-123412341234}" type="slidenum">
-              <a:rPr lang="uk-UA" smtClean="0"/>
-              <a:t>19</a:t>
-            </a:fld>
-            <a:endParaRPr lang="uk-UA"/>
-          </a:p>
-        </p:txBody>
-      </p:sp>
-    </p:spTree>
-    <p:extLst>
-      <p:ext uri="{BB962C8B-B14F-4D97-AF65-F5344CB8AC3E}">
-        <p14:creationId xmlns:p14="http://schemas.microsoft.com/office/powerpoint/2010/main" val="1476491600"/>
       </p:ext>
     </p:extLst>
   </p:cSld>
@@ -11353,6 +10824,508 @@
   <p:cSld>
     <p:spTree>
       <p:nvGrpSpPr>
+        <p:cNvPr id="1" name=""/>
+        <p:cNvGrpSpPr/>
+        <p:nvPr/>
+      </p:nvGrpSpPr>
+      <p:grpSpPr>
+        <a:xfrm>
+          <a:off x="0" y="0"/>
+          <a:ext cx="0" cy="0"/>
+          <a:chOff x="0" y="0"/>
+          <a:chExt cx="0" cy="0"/>
+        </a:xfrm>
+      </p:grpSpPr>
+      <p:sp>
+        <p:nvSpPr>
+          <p:cNvPr id="2" name="Title 1"/>
+          <p:cNvSpPr>
+            <a:spLocks noGrp="1"/>
+          </p:cNvSpPr>
+          <p:nvPr>
+            <p:ph type="title"/>
+          </p:nvPr>
+        </p:nvSpPr>
+        <p:spPr/>
+        <p:txBody>
+          <a:bodyPr/>
+          <a:lstStyle/>
+          <a:p>
+            <a:r>
+              <a:rPr lang="en-US" dirty="0"/>
+              <a:t>2nd Iteration Comment</a:t>
+            </a:r>
+          </a:p>
+        </p:txBody>
+      </p:sp>
+      <p:sp>
+        <p:nvSpPr>
+          <p:cNvPr id="3" name="Text Placeholder 2"/>
+          <p:cNvSpPr>
+            <a:spLocks noGrp="1"/>
+          </p:cNvSpPr>
+          <p:nvPr>
+            <p:ph type="body" idx="1"/>
+          </p:nvPr>
+        </p:nvSpPr>
+        <p:spPr>
+          <a:xfrm>
+            <a:off x="120261" y="1434601"/>
+            <a:ext cx="8798553" cy="3601820"/>
+          </a:xfrm>
+        </p:spPr>
+        <p:txBody>
+          <a:bodyPr numCol="5"/>
+          <a:lstStyle/>
+          <a:p>
+            <a:pPr marL="101600" indent="0">
+              <a:buNone/>
+            </a:pPr>
+            <a:r>
+              <a:rPr lang="en-US" sz="1400" b="1" dirty="0"/>
+              <a:t>Parent 6:</a:t>
+            </a:r>
+          </a:p>
+          <a:p>
+            <a:pPr marL="101600" indent="0" algn="just">
+              <a:buNone/>
+            </a:pPr>
+            <a:r>
+              <a:rPr lang="en-US" sz="1400" dirty="0"/>
+              <a:t>“</a:t>
+            </a:r>
+            <a:r>
+              <a:rPr lang="en-US" sz="1400" dirty="0" err="1"/>
+              <a:t>Maganda</a:t>
+            </a:r>
+            <a:r>
+              <a:rPr lang="en-US" sz="1400" dirty="0"/>
+              <a:t> </a:t>
+            </a:r>
+            <a:r>
+              <a:rPr lang="en-US" sz="1400" dirty="0" err="1"/>
+              <a:t>naman</a:t>
+            </a:r>
+            <a:r>
+              <a:rPr lang="en-US" sz="1400" dirty="0"/>
+              <a:t> </a:t>
+            </a:r>
+            <a:r>
+              <a:rPr lang="en-US" sz="1400" dirty="0" err="1"/>
+              <a:t>yung</a:t>
+            </a:r>
+            <a:r>
+              <a:rPr lang="en-US" sz="1400" dirty="0"/>
+              <a:t> application </a:t>
+            </a:r>
+            <a:r>
+              <a:rPr lang="en-US" sz="1400" dirty="0" err="1"/>
+              <a:t>kasi</a:t>
+            </a:r>
+            <a:r>
+              <a:rPr lang="en-US" sz="1400" dirty="0"/>
+              <a:t> </a:t>
+            </a:r>
+            <a:r>
+              <a:rPr lang="en-US" sz="1400" dirty="0" err="1"/>
+              <a:t>makakatulong</a:t>
+            </a:r>
+            <a:r>
+              <a:rPr lang="en-US" sz="1400" dirty="0"/>
+              <a:t> </a:t>
+            </a:r>
+            <a:r>
+              <a:rPr lang="en-US" sz="1400" dirty="0" err="1"/>
+              <a:t>yun</a:t>
+            </a:r>
+            <a:r>
+              <a:rPr lang="en-US" sz="1400" dirty="0"/>
+              <a:t> </a:t>
+            </a:r>
+            <a:r>
+              <a:rPr lang="en-US" sz="1400" dirty="0" err="1"/>
+              <a:t>sa</a:t>
+            </a:r>
+            <a:r>
+              <a:rPr lang="en-US" sz="1400" dirty="0"/>
+              <a:t> </a:t>
+            </a:r>
+            <a:r>
+              <a:rPr lang="en-US" sz="1400" dirty="0" err="1"/>
+              <a:t>aming</a:t>
+            </a:r>
+            <a:r>
+              <a:rPr lang="en-US" sz="1400" dirty="0"/>
+              <a:t> </a:t>
+            </a:r>
+            <a:r>
+              <a:rPr lang="en-US" sz="1400" dirty="0" err="1"/>
+              <a:t>mga</a:t>
+            </a:r>
+            <a:r>
+              <a:rPr lang="en-US" sz="1400" dirty="0"/>
+              <a:t> parents </a:t>
+            </a:r>
+            <a:r>
+              <a:rPr lang="en-US" sz="1400" dirty="0" err="1"/>
+              <a:t>para</a:t>
+            </a:r>
+            <a:r>
+              <a:rPr lang="en-US" sz="1400" dirty="0"/>
+              <a:t> ma monitor </a:t>
+            </a:r>
+            <a:r>
+              <a:rPr lang="en-US" sz="1400" dirty="0" err="1"/>
+              <a:t>namin</a:t>
+            </a:r>
+            <a:r>
+              <a:rPr lang="en-US" sz="1400" dirty="0"/>
+              <a:t> kung </a:t>
+            </a:r>
+            <a:r>
+              <a:rPr lang="en-US" sz="1400" dirty="0" err="1"/>
+              <a:t>nakapasok</a:t>
+            </a:r>
+            <a:r>
+              <a:rPr lang="en-US" sz="1400" dirty="0"/>
+              <a:t> </a:t>
+            </a:r>
+            <a:r>
+              <a:rPr lang="en-US" sz="1400" dirty="0" err="1"/>
+              <a:t>ba</a:t>
+            </a:r>
+            <a:r>
+              <a:rPr lang="en-US" sz="1400" dirty="0"/>
+              <a:t> o </a:t>
+            </a:r>
+            <a:r>
+              <a:rPr lang="en-US" sz="1400" dirty="0" err="1"/>
+              <a:t>pumasok</a:t>
+            </a:r>
+            <a:r>
+              <a:rPr lang="en-US" sz="1400" dirty="0"/>
+              <a:t> </a:t>
+            </a:r>
+            <a:r>
+              <a:rPr lang="en-US" sz="1400" dirty="0" err="1"/>
+              <a:t>ba</a:t>
+            </a:r>
+            <a:r>
+              <a:rPr lang="en-US" sz="1400" dirty="0"/>
+              <a:t> at </a:t>
+            </a:r>
+            <a:r>
+              <a:rPr lang="en-US" sz="1400" dirty="0" err="1"/>
+              <a:t>anong</a:t>
+            </a:r>
+            <a:r>
+              <a:rPr lang="en-US" sz="1400" dirty="0"/>
+              <a:t> </a:t>
+            </a:r>
+            <a:r>
+              <a:rPr lang="en-US" sz="1400" dirty="0" err="1"/>
+              <a:t>oras</a:t>
+            </a:r>
+            <a:r>
+              <a:rPr lang="en-US" sz="1400" dirty="0"/>
+              <a:t> </a:t>
+            </a:r>
+            <a:r>
+              <a:rPr lang="en-US" sz="1400" dirty="0" err="1"/>
+              <a:t>pumasok</a:t>
+            </a:r>
+            <a:r>
+              <a:rPr lang="en-US" sz="1400" dirty="0"/>
+              <a:t> </a:t>
+            </a:r>
+            <a:r>
+              <a:rPr lang="en-US" sz="1400" dirty="0" err="1"/>
+              <a:t>ang</a:t>
+            </a:r>
+            <a:r>
+              <a:rPr lang="en-US" sz="1400" dirty="0"/>
+              <a:t> </a:t>
+            </a:r>
+            <a:r>
+              <a:rPr lang="en-US" sz="1400" dirty="0" err="1"/>
+              <a:t>mga</a:t>
+            </a:r>
+            <a:r>
+              <a:rPr lang="en-US" sz="1400" dirty="0"/>
+              <a:t> </a:t>
+            </a:r>
+            <a:r>
+              <a:rPr lang="en-US" sz="1400" dirty="0" err="1"/>
+              <a:t>anak</a:t>
+            </a:r>
+            <a:r>
+              <a:rPr lang="en-US" sz="1400" dirty="0"/>
+              <a:t> </a:t>
+            </a:r>
+            <a:r>
+              <a:rPr lang="en-US" sz="1400" dirty="0" err="1"/>
+              <a:t>namin</a:t>
+            </a:r>
+            <a:r>
+              <a:rPr lang="en-US" sz="1400" dirty="0"/>
+              <a:t>. Suggest </a:t>
+            </a:r>
+            <a:r>
+              <a:rPr lang="en-US" sz="1400" dirty="0" err="1"/>
+              <a:t>ko</a:t>
+            </a:r>
+            <a:r>
+              <a:rPr lang="en-US" sz="1400" dirty="0"/>
+              <a:t> </a:t>
+            </a:r>
+            <a:r>
+              <a:rPr lang="en-US" sz="1400" dirty="0" err="1"/>
+              <a:t>lang</a:t>
+            </a:r>
+            <a:r>
+              <a:rPr lang="en-US" sz="1400" dirty="0"/>
+              <a:t> </a:t>
+            </a:r>
+            <a:r>
+              <a:rPr lang="en-US" sz="1400" dirty="0" err="1"/>
+              <a:t>na</a:t>
+            </a:r>
+            <a:r>
+              <a:rPr lang="en-US" sz="1400" dirty="0"/>
+              <a:t> </a:t>
+            </a:r>
+            <a:r>
+              <a:rPr lang="en-US" sz="1400" dirty="0" err="1"/>
+              <a:t>lagyan</a:t>
+            </a:r>
+            <a:r>
+              <a:rPr lang="en-US" sz="1400" dirty="0"/>
+              <a:t> </a:t>
+            </a:r>
+            <a:r>
+              <a:rPr lang="en-US" sz="1400" dirty="0" err="1"/>
+              <a:t>ng</a:t>
+            </a:r>
+            <a:r>
+              <a:rPr lang="en-US" sz="1400" dirty="0"/>
+              <a:t> section.”</a:t>
+            </a:r>
+            <a:endParaRPr lang="en-US" sz="1400" b="1" dirty="0"/>
+          </a:p>
+          <a:p>
+            <a:pPr marL="101600" indent="0" algn="just">
+              <a:buNone/>
+            </a:pPr>
+            <a:endParaRPr lang="en-US" sz="1600" b="1" dirty="0"/>
+          </a:p>
+          <a:p>
+            <a:pPr marL="101600" indent="0" algn="just">
+              <a:buNone/>
+            </a:pPr>
+            <a:r>
+              <a:rPr lang="fr-FR" sz="1100" dirty="0"/>
+              <a:t>LINK FOR PARENT 6:  https://youtu.be/S_v1cxgwAag</a:t>
+            </a:r>
+            <a:endParaRPr lang="en-US" sz="1100" dirty="0"/>
+          </a:p>
+          <a:p>
+            <a:pPr marL="101600" indent="0" algn="just">
+              <a:buNone/>
+            </a:pPr>
+            <a:endParaRPr lang="en-US" sz="1600" b="1" dirty="0"/>
+          </a:p>
+          <a:p>
+            <a:pPr marL="101600" indent="0" algn="just">
+              <a:buNone/>
+            </a:pPr>
+            <a:endParaRPr lang="en-US" sz="1600" b="1" dirty="0"/>
+          </a:p>
+          <a:p>
+            <a:pPr marL="101600" indent="0" algn="just">
+              <a:buNone/>
+            </a:pPr>
+            <a:endParaRPr lang="en-US" sz="1600" b="1" dirty="0"/>
+          </a:p>
+          <a:p>
+            <a:pPr marL="101600" indent="0" algn="just">
+              <a:buNone/>
+            </a:pPr>
+            <a:endParaRPr lang="en-US" sz="1600" b="1" dirty="0"/>
+          </a:p>
+          <a:p>
+            <a:pPr marL="101600" indent="0" algn="just">
+              <a:buNone/>
+            </a:pPr>
+            <a:endParaRPr lang="en-US" sz="1600" b="1" dirty="0"/>
+          </a:p>
+          <a:p>
+            <a:pPr marL="101600" indent="0" algn="just">
+              <a:buNone/>
+            </a:pPr>
+            <a:endParaRPr lang="en-US" sz="1600" b="1" dirty="0"/>
+          </a:p>
+          <a:p>
+            <a:pPr marL="101600" indent="0" algn="just">
+              <a:buNone/>
+            </a:pPr>
+            <a:endParaRPr lang="en-US" sz="1600" b="1" dirty="0"/>
+          </a:p>
+          <a:p>
+            <a:pPr marL="101600" indent="0" algn="just">
+              <a:buNone/>
+            </a:pPr>
+            <a:endParaRPr lang="en-US" sz="1200" b="1" dirty="0"/>
+          </a:p>
+          <a:p>
+            <a:pPr marL="101600" indent="0" algn="just">
+              <a:buNone/>
+            </a:pPr>
+            <a:r>
+              <a:rPr lang="en-US" sz="1400" b="1" dirty="0"/>
+              <a:t>Teacher 5</a:t>
+            </a:r>
+          </a:p>
+          <a:p>
+            <a:pPr marL="101600" indent="0" algn="just">
+              <a:buNone/>
+            </a:pPr>
+            <a:r>
+              <a:rPr lang="en-US" sz="1200" dirty="0"/>
+              <a:t>“</a:t>
+            </a:r>
+            <a:r>
+              <a:rPr lang="en-US" sz="1200" dirty="0" err="1"/>
+              <a:t>Kapag</a:t>
+            </a:r>
+            <a:r>
+              <a:rPr lang="en-US" sz="1200" dirty="0"/>
+              <a:t> </a:t>
+            </a:r>
+            <a:r>
+              <a:rPr lang="en-US" sz="1200" dirty="0" err="1"/>
+              <a:t>sa</a:t>
+            </a:r>
+            <a:r>
+              <a:rPr lang="en-US" sz="1200" dirty="0"/>
+              <a:t> messages </a:t>
+            </a:r>
+            <a:r>
+              <a:rPr lang="en-US" sz="1200" dirty="0" err="1"/>
+              <a:t>sana</a:t>
+            </a:r>
+            <a:r>
+              <a:rPr lang="en-US" sz="1200" dirty="0"/>
+              <a:t> </a:t>
+            </a:r>
+            <a:r>
+              <a:rPr lang="en-US" sz="1200" dirty="0" err="1"/>
+              <a:t>kita</a:t>
+            </a:r>
+            <a:r>
+              <a:rPr lang="en-US" sz="1200" dirty="0"/>
+              <a:t>, </a:t>
+            </a:r>
+            <a:r>
+              <a:rPr lang="en-US" sz="1200" dirty="0" err="1"/>
+              <a:t>naka</a:t>
+            </a:r>
+            <a:r>
+              <a:rPr lang="en-US" sz="1200" dirty="0"/>
+              <a:t> thread view pa </a:t>
+            </a:r>
+            <a:r>
+              <a:rPr lang="en-US" sz="1200" dirty="0" err="1"/>
+              <a:t>rin</a:t>
+            </a:r>
+            <a:r>
+              <a:rPr lang="en-US" sz="1200" dirty="0"/>
+              <a:t> </a:t>
+            </a:r>
+            <a:r>
+              <a:rPr lang="en-US" sz="1200" dirty="0" err="1"/>
+              <a:t>siya</a:t>
+            </a:r>
+            <a:r>
+              <a:rPr lang="en-US" sz="1200" dirty="0"/>
+              <a:t>.”</a:t>
+            </a:r>
+          </a:p>
+          <a:p>
+            <a:pPr marL="101600" indent="0" algn="just">
+              <a:buNone/>
+            </a:pPr>
+            <a:endParaRPr lang="en-US" sz="1600" b="1" dirty="0"/>
+          </a:p>
+          <a:p>
+            <a:pPr marL="101600" indent="0" algn="just">
+              <a:buNone/>
+            </a:pPr>
+            <a:endParaRPr lang="en-US" sz="1600" b="1" dirty="0"/>
+          </a:p>
+          <a:p>
+            <a:pPr marL="101600" indent="0" algn="just">
+              <a:buNone/>
+            </a:pPr>
+            <a:endParaRPr lang="en-US" sz="1600" b="1" dirty="0"/>
+          </a:p>
+          <a:p>
+            <a:pPr marL="101600" indent="0" algn="just">
+              <a:buNone/>
+            </a:pPr>
+            <a:endParaRPr lang="en-US" sz="1600" b="1" dirty="0"/>
+          </a:p>
+        </p:txBody>
+      </p:sp>
+      <p:sp>
+        <p:nvSpPr>
+          <p:cNvPr id="5" name="Slide Number Placeholder 4"/>
+          <p:cNvSpPr>
+            <a:spLocks noGrp="1"/>
+          </p:cNvSpPr>
+          <p:nvPr>
+            <p:ph type="sldNum" idx="12"/>
+          </p:nvPr>
+        </p:nvSpPr>
+        <p:spPr/>
+        <p:txBody>
+          <a:bodyPr/>
+          <a:lstStyle/>
+          <a:p>
+            <a:pPr marL="0" lvl="0" indent="0" algn="r" rtl="0">
+              <a:spcBef>
+                <a:spcPts val="0"/>
+              </a:spcBef>
+              <a:spcAft>
+                <a:spcPts val="0"/>
+              </a:spcAft>
+              <a:buNone/>
+            </a:pPr>
+            <a:fld id="{00000000-1234-1234-1234-123412341234}" type="slidenum">
+              <a:rPr lang="uk-UA" smtClean="0"/>
+              <a:t>20</a:t>
+            </a:fld>
+            <a:endParaRPr lang="uk-UA"/>
+          </a:p>
+        </p:txBody>
+      </p:sp>
+    </p:spTree>
+    <p:extLst>
+      <p:ext uri="{BB962C8B-B14F-4D97-AF65-F5344CB8AC3E}">
+        <p14:creationId xmlns:p14="http://schemas.microsoft.com/office/powerpoint/2010/main" val="1476491600"/>
+      </p:ext>
+    </p:extLst>
+  </p:cSld>
+  <p:clrMapOvr>
+    <a:masterClrMapping/>
+  </p:clrMapOvr>
+</p:sld>
+</file>
+
+<file path=ppt/slides/slide21.xml><?xml version="1.0" encoding="utf-8"?>
+<p:sld xmlns:a="http://schemas.openxmlformats.org/drawingml/2006/main" xmlns:r="http://schemas.openxmlformats.org/officeDocument/2006/relationships" xmlns:p="http://schemas.openxmlformats.org/presentationml/2006/main">
+  <p:cSld>
+    <p:spTree>
+      <p:nvGrpSpPr>
         <p:cNvPr id="1" name="Shape 501"/>
         <p:cNvGrpSpPr/>
         <p:nvPr/>
@@ -11401,7 +11374,7 @@
             </a:pPr>
             <a:fld id="{00000000-1234-1234-1234-123412341234}" type="slidenum">
               <a:rPr lang="en"/>
-              <a:t>20</a:t>
+              <a:t>21</a:t>
             </a:fld>
             <a:endParaRPr/>
           </a:p>
